--- a/documents/1.7.2/AnnexCMeeting13Nov2024.pptx
+++ b/documents/1.7.2/AnnexCMeeting13Nov2024.pptx
@@ -4151,7 +4151,7 @@
               <a:buChar char="•"/>
             </a:pPr>
             <a:r>
-              <a:rPr lang="en-GB" dirty="0"/>
+              <a:rPr lang="en-GB" b="1" dirty="0"/>
               <a:t>Remaining comments integrated into v1.7.1</a:t>
             </a:r>
           </a:p>
